--- a/MY VERSION/GA_for_JSP/GA for job shop scheduling.pptx
+++ b/MY VERSION/GA_for_JSP/GA for job shop scheduling.pptx
@@ -8976,32 +8976,52 @@
           </a:p>
         </p:txBody>
       </p:sp>
-      <p:pic>
-        <p:nvPicPr>
-          <p:cNvPr id="4" name="內容版面配置區 3"/>
-          <p:cNvPicPr>
-            <a:picLocks noGrp="1" noChangeAspect="1"/>
-          </p:cNvPicPr>
+      <p:sp>
+        <p:nvSpPr>
+          <p:cNvPr id="5" name="內容版面配置區 4"/>
+          <p:cNvSpPr>
+            <a:spLocks noGrp="1"/>
+          </p:cNvSpPr>
           <p:nvPr>
             <p:ph idx="1"/>
           </p:nvPr>
+        </p:nvSpPr>
+        <p:spPr/>
+        <p:txBody>
+          <a:bodyPr/>
+          <a:lstStyle/>
+          <a:p>
+            <a:endParaRPr lang="zh-TW" altLang="en-US"/>
+          </a:p>
+        </p:txBody>
+      </p:sp>
+      <p:pic>
+        <p:nvPicPr>
+          <p:cNvPr id="6" name="圖片 5"/>
+          <p:cNvPicPr>
+            <a:picLocks noChangeAspect="1"/>
+          </p:cNvPicPr>
+          <p:nvPr/>
         </p:nvPicPr>
         <p:blipFill rotWithShape="1">
-          <a:blip r:embed="rId2" cstate="print">
+          <a:blip r:embed="rId2">
             <a:extLst>
               <a:ext uri="{28A0092B-C50C-407E-A947-70E740481C1C}">
                 <a14:useLocalDpi xmlns:a14="http://schemas.microsoft.com/office/drawing/2010/main" val="0"/>
               </a:ext>
             </a:extLst>
           </a:blip>
-          <a:srcRect b="22620"/>
+          <a:srcRect l="7855" t="2551" r="9622" b="1507"/>
           <a:stretch/>
         </p:blipFill>
         <p:spPr>
           <a:xfrm>
-            <a:off x="3698911" y="1096645"/>
-            <a:ext cx="4794178" cy="4946346"/>
+            <a:off x="2313830" y="278296"/>
+            <a:ext cx="7545787" cy="6579704"/>
           </a:xfrm>
+          <a:prstGeom prst="rect">
+            <a:avLst/>
+          </a:prstGeom>
         </p:spPr>
       </p:pic>
     </p:spTree>
